--- a/PROJETO META alimentador - Arthur_Joao_Adryan TEC/8702C1_AlimentaÇão_Poster.pptx
+++ b/PROJETO META alimentador - Arthur_Joao_Adryan TEC/8702C1_AlimentaÇão_Poster.pptx
@@ -3934,7 +3934,7 @@
         </p:blipFill>
         <p:spPr>
           <a:xfrm>
-            <a:off x="-9283" y="41385655"/>
+            <a:off x="-9283" y="41842855"/>
             <a:ext cx="28812827" cy="1372185"/>
           </a:xfrm>
           <a:prstGeom prst="rect">
